--- a/description for web/howtoplay.pptx
+++ b/description for web/howtoplay.pptx
@@ -6,6 +6,9 @@
   </p:sldMasterIdLst>
   <p:sldIdLst>
     <p:sldId id="256" r:id="rId2"/>
+    <p:sldId id="257" r:id="rId3"/>
+    <p:sldId id="258" r:id="rId4"/>
+    <p:sldId id="259" r:id="rId5"/>
   </p:sldIdLst>
   <p:sldSz cx="12192000" cy="6858000"/>
   <p:notesSz cx="6858000" cy="9144000"/>
@@ -104,6 +107,11 @@
       </a:defRPr>
     </a:lvl9pPr>
   </p:defaultTextStyle>
+  <p:extLst>
+    <p:ext uri="{EFAFB233-063F-42B5-8137-9DF3F51BA10A}">
+      <p15:sldGuideLst xmlns:p15="http://schemas.microsoft.com/office/powerpoint/2012/main"/>
+    </p:ext>
+  </p:extLst>
 </p:presentation>
 </file>
 
@@ -2760,10 +2768,10 @@
       </p:grpSpPr>
       <p:sp>
         <p:nvSpPr>
-          <p:cNvPr id="8" name="9Slide.vn - 2019">
-            <a:extLst>
-              <a:ext uri="{FF2B5EF4-FFF2-40B4-BE49-F238E27FC236}">
-                <a16:creationId xmlns:a16="http://schemas.microsoft.com/office/drawing/2014/main" id="{D3A57218-78CE-0E9D-4962-3AE614030D9C}"/>
+          <p:cNvPr id="7" name="9Slide.vn - 2019">
+            <a:extLst>
+              <a:ext uri="{FF2B5EF4-FFF2-40B4-BE49-F238E27FC236}">
+                <a16:creationId xmlns:a16="http://schemas.microsoft.com/office/drawing/2014/main" id="{8DE346BB-3CF8-2CE8-EE50-442CB7874012}"/>
               </a:ext>
             </a:extLst>
           </p:cNvPr>
@@ -3347,6 +3355,14 @@
 <file path=ppt/slides/slide1.xml><?xml version="1.0" encoding="utf-8"?>
 <p:sld xmlns:a="http://schemas.openxmlformats.org/drawingml/2006/main" xmlns:r="http://schemas.openxmlformats.org/officeDocument/2006/relationships" xmlns:p="http://schemas.openxmlformats.org/presentationml/2006/main">
   <p:cSld>
+    <p:bg>
+      <p:bgPr>
+        <a:solidFill>
+          <a:srgbClr val="252A34"/>
+        </a:solidFill>
+        <a:effectLst/>
+      </p:bgPr>
+    </p:bg>
     <p:spTree>
       <p:nvGrpSpPr>
         <p:cNvPr id="1" name=""/>
@@ -3361,12 +3377,103 @@
           <a:chExt cx="0" cy="0"/>
         </a:xfrm>
       </p:grpSpPr>
-      <p:sp>
-        <p:nvSpPr>
-          <p:cNvPr id="10" name="TextBox 9">
-            <a:extLst>
-              <a:ext uri="{FF2B5EF4-FFF2-40B4-BE49-F238E27FC236}">
-                <a16:creationId xmlns:a16="http://schemas.microsoft.com/office/drawing/2014/main" id="{4D0C7646-C75C-4E1F-4C3C-F5C4EAFBEA0F}"/>
+      <p:grpSp>
+        <p:nvGrpSpPr>
+          <p:cNvPr id="4" name="Group 3">
+            <a:extLst>
+              <a:ext uri="{FF2B5EF4-FFF2-40B4-BE49-F238E27FC236}">
+                <a16:creationId xmlns:a16="http://schemas.microsoft.com/office/drawing/2014/main" id="{6924C90A-755B-A27E-89B0-4A9734E98548}"/>
+              </a:ext>
+            </a:extLst>
+          </p:cNvPr>
+          <p:cNvGrpSpPr/>
+          <p:nvPr/>
+        </p:nvGrpSpPr>
+        <p:grpSpPr>
+          <a:xfrm>
+            <a:off x="457200" y="1397214"/>
+            <a:ext cx="4343399" cy="707886"/>
+            <a:chOff x="762001" y="1806714"/>
+            <a:chExt cx="4343399" cy="707886"/>
+          </a:xfrm>
+        </p:grpSpPr>
+        <p:sp>
+          <p:nvSpPr>
+            <p:cNvPr id="10" name="TextBox 9">
+              <a:extLst>
+                <a:ext uri="{FF2B5EF4-FFF2-40B4-BE49-F238E27FC236}">
+                  <a16:creationId xmlns:a16="http://schemas.microsoft.com/office/drawing/2014/main" id="{4D0C7646-C75C-4E1F-4C3C-F5C4EAFBEA0F}"/>
+                </a:ext>
+              </a:extLst>
+            </p:cNvPr>
+            <p:cNvSpPr txBox="1"/>
+            <p:nvPr/>
+          </p:nvSpPr>
+          <p:spPr>
+            <a:xfrm>
+              <a:off x="762001" y="1806714"/>
+              <a:ext cx="4343399" cy="707886"/>
+            </a:xfrm>
+            <a:prstGeom prst="rect">
+              <a:avLst/>
+            </a:prstGeom>
+            <a:noFill/>
+          </p:spPr>
+          <p:txBody>
+            <a:bodyPr wrap="square" rtlCol="0">
+              <a:spAutoFit/>
+            </a:bodyPr>
+            <a:lstStyle/>
+            <a:p>
+              <a:r>
+                <a:rPr lang="en-US" sz="4000">
+                  <a:solidFill>
+                    <a:schemeClr val="bg1"/>
+                  </a:solidFill>
+                  <a:latin typeface="#9Slide03 Ample" panose="02000000000000000000" pitchFamily="2" charset="0"/>
+                </a:rPr>
+                <a:t>using       to play</a:t>
+              </a:r>
+            </a:p>
+          </p:txBody>
+        </p:sp>
+        <p:pic>
+          <p:nvPicPr>
+            <p:cNvPr id="9" name="Picture 8">
+              <a:extLst>
+                <a:ext uri="{FF2B5EF4-FFF2-40B4-BE49-F238E27FC236}">
+                  <a16:creationId xmlns:a16="http://schemas.microsoft.com/office/drawing/2014/main" id="{CBBFA950-B314-AA5F-1472-A2230DE4855B}"/>
+                </a:ext>
+              </a:extLst>
+            </p:cNvPr>
+            <p:cNvPicPr>
+              <a:picLocks noChangeAspect="1"/>
+            </p:cNvPicPr>
+            <p:nvPr/>
+          </p:nvPicPr>
+          <p:blipFill>
+            <a:blip r:embed="rId2"/>
+            <a:stretch>
+              <a:fillRect/>
+            </a:stretch>
+          </p:blipFill>
+          <p:spPr>
+            <a:xfrm>
+              <a:off x="2209801" y="1925508"/>
+              <a:ext cx="544920" cy="544920"/>
+            </a:xfrm>
+            <a:prstGeom prst="rect">
+              <a:avLst/>
+            </a:prstGeom>
+          </p:spPr>
+        </p:pic>
+      </p:grpSp>
+      <p:sp>
+        <p:nvSpPr>
+          <p:cNvPr id="15" name="TextBox 14">
+            <a:extLst>
+              <a:ext uri="{FF2B5EF4-FFF2-40B4-BE49-F238E27FC236}">
+                <a16:creationId xmlns:a16="http://schemas.microsoft.com/office/drawing/2014/main" id="{586A3956-E64D-E70F-068D-F50D2ACCC342}"/>
               </a:ext>
             </a:extLst>
           </p:cNvPr>
@@ -3375,134 +3482,7 @@
         </p:nvSpPr>
         <p:spPr>
           <a:xfrm>
-            <a:off x="609600" y="1774330"/>
-            <a:ext cx="4343399" cy="707886"/>
-          </a:xfrm>
-          <a:prstGeom prst="rect">
-            <a:avLst/>
-          </a:prstGeom>
-          <a:noFill/>
-        </p:spPr>
-        <p:txBody>
-          <a:bodyPr wrap="square" rtlCol="0">
-            <a:spAutoFit/>
-          </a:bodyPr>
-          <a:lstStyle/>
-          <a:p>
-            <a:r>
-              <a:rPr lang="en-US" sz="4000">
-                <a:latin typeface="#9Slide03 Ample" panose="02000000000000000000" pitchFamily="2" charset="0"/>
-              </a:rPr>
-              <a:t>using       to play</a:t>
-            </a:r>
-          </a:p>
-        </p:txBody>
-      </p:sp>
-      <p:pic>
-        <p:nvPicPr>
-          <p:cNvPr id="7" name="Picture 6">
-            <a:extLst>
-              <a:ext uri="{FF2B5EF4-FFF2-40B4-BE49-F238E27FC236}">
-                <a16:creationId xmlns:a16="http://schemas.microsoft.com/office/drawing/2014/main" id="{7D01D0D8-A89A-90B1-8C4F-6F5ABB101D3A}"/>
-              </a:ext>
-            </a:extLst>
-          </p:cNvPr>
-          <p:cNvPicPr>
-            <a:picLocks noChangeAspect="1"/>
-          </p:cNvPicPr>
-          <p:nvPr/>
-        </p:nvPicPr>
-        <p:blipFill>
-          <a:blip r:embed="rId2"/>
-          <a:stretch>
-            <a:fillRect/>
-          </a:stretch>
-        </p:blipFill>
-        <p:spPr>
-          <a:xfrm>
-            <a:off x="0" y="0"/>
-            <a:ext cx="12192000" cy="5734050"/>
-          </a:xfrm>
-          <a:prstGeom prst="rect">
-            <a:avLst/>
-          </a:prstGeom>
-        </p:spPr>
-      </p:pic>
-      <p:pic>
-        <p:nvPicPr>
-          <p:cNvPr id="9" name="Picture 8">
-            <a:extLst>
-              <a:ext uri="{FF2B5EF4-FFF2-40B4-BE49-F238E27FC236}">
-                <a16:creationId xmlns:a16="http://schemas.microsoft.com/office/drawing/2014/main" id="{CBBFA950-B314-AA5F-1472-A2230DE4855B}"/>
-              </a:ext>
-            </a:extLst>
-          </p:cNvPr>
-          <p:cNvPicPr>
-            <a:picLocks noChangeAspect="1"/>
-          </p:cNvPicPr>
-          <p:nvPr/>
-        </p:nvPicPr>
-        <p:blipFill>
-          <a:blip r:embed="rId3"/>
-          <a:stretch>
-            <a:fillRect/>
-          </a:stretch>
-        </p:blipFill>
-        <p:spPr>
-          <a:xfrm>
-            <a:off x="2057400" y="1893480"/>
-            <a:ext cx="544920" cy="544920"/>
-          </a:xfrm>
-          <a:prstGeom prst="rect">
-            <a:avLst/>
-          </a:prstGeom>
-        </p:spPr>
-      </p:pic>
-      <p:pic>
-        <p:nvPicPr>
-          <p:cNvPr id="12" name="Picture 11">
-            <a:extLst>
-              <a:ext uri="{FF2B5EF4-FFF2-40B4-BE49-F238E27FC236}">
-                <a16:creationId xmlns:a16="http://schemas.microsoft.com/office/drawing/2014/main" id="{2D440686-ADEC-93E3-67AB-0E40825EF253}"/>
-              </a:ext>
-            </a:extLst>
-          </p:cNvPr>
-          <p:cNvPicPr>
-            <a:picLocks noChangeAspect="1"/>
-          </p:cNvPicPr>
-          <p:nvPr/>
-        </p:nvPicPr>
-        <p:blipFill>
-          <a:blip r:embed="rId4"/>
-          <a:stretch>
-            <a:fillRect/>
-          </a:stretch>
-        </p:blipFill>
-        <p:spPr>
-          <a:xfrm>
-            <a:off x="762000" y="1089751"/>
-            <a:ext cx="609601" cy="609601"/>
-          </a:xfrm>
-          <a:prstGeom prst="rect">
-            <a:avLst/>
-          </a:prstGeom>
-        </p:spPr>
-      </p:pic>
-      <p:sp>
-        <p:nvSpPr>
-          <p:cNvPr id="15" name="TextBox 14">
-            <a:extLst>
-              <a:ext uri="{FF2B5EF4-FFF2-40B4-BE49-F238E27FC236}">
-                <a16:creationId xmlns:a16="http://schemas.microsoft.com/office/drawing/2014/main" id="{586A3956-E64D-E70F-068D-F50D2ACCC342}"/>
-              </a:ext>
-            </a:extLst>
-          </p:cNvPr>
-          <p:cNvSpPr txBox="1"/>
-          <p:nvPr/>
-        </p:nvSpPr>
-        <p:spPr>
-          <a:xfrm>
-            <a:off x="430620" y="152400"/>
+            <a:off x="152400" y="533400"/>
             <a:ext cx="4343399" cy="830997"/>
           </a:xfrm>
           <a:prstGeom prst="rect">
@@ -3518,6 +3498,9 @@
           <a:p>
             <a:r>
               <a:rPr lang="en-US" sz="4800">
+                <a:solidFill>
+                  <a:schemeClr val="bg1"/>
+                </a:solidFill>
                 <a:latin typeface="#9Slide03 Ample" panose="02000000000000000000" pitchFamily="2" charset="0"/>
               </a:rPr>
               <a:t>How to play:</a:t>
@@ -3527,10 +3510,239 @@
       </p:sp>
       <p:sp>
         <p:nvSpPr>
-          <p:cNvPr id="16" name="TextBox 15">
-            <a:extLst>
-              <a:ext uri="{FF2B5EF4-FFF2-40B4-BE49-F238E27FC236}">
-                <a16:creationId xmlns:a16="http://schemas.microsoft.com/office/drawing/2014/main" id="{64EE4827-C7E8-6322-52F6-EAA298DE9A06}"/>
+          <p:cNvPr id="2" name="Rectangle 1">
+            <a:extLst>
+              <a:ext uri="{FF2B5EF4-FFF2-40B4-BE49-F238E27FC236}">
+                <a16:creationId xmlns:a16="http://schemas.microsoft.com/office/drawing/2014/main" id="{6B8A9883-0F1F-B5AC-3A52-0CDFC9CEB71F}"/>
+              </a:ext>
+            </a:extLst>
+          </p:cNvPr>
+          <p:cNvSpPr/>
+          <p:nvPr/>
+        </p:nvSpPr>
+        <p:spPr>
+          <a:xfrm>
+            <a:off x="0" y="2633394"/>
+            <a:ext cx="5638800" cy="1447800"/>
+          </a:xfrm>
+          <a:prstGeom prst="rect">
+            <a:avLst/>
+          </a:prstGeom>
+        </p:spPr>
+        <p:style>
+          <a:lnRef idx="2">
+            <a:schemeClr val="accent1">
+              <a:shade val="15000"/>
+            </a:schemeClr>
+          </a:lnRef>
+          <a:fillRef idx="1">
+            <a:schemeClr val="accent1"/>
+          </a:fillRef>
+          <a:effectRef idx="0">
+            <a:schemeClr val="accent1"/>
+          </a:effectRef>
+          <a:fontRef idx="minor">
+            <a:schemeClr val="lt1"/>
+          </a:fontRef>
+        </p:style>
+        <p:txBody>
+          <a:bodyPr rtlCol="0" anchor="ctr"/>
+          <a:lstStyle/>
+          <a:p>
+            <a:pPr algn="ctr"/>
+            <a:endParaRPr lang="en-US"/>
+          </a:p>
+        </p:txBody>
+      </p:sp>
+      <p:sp>
+        <p:nvSpPr>
+          <p:cNvPr id="3" name="Rectangle 2">
+            <a:extLst>
+              <a:ext uri="{FF2B5EF4-FFF2-40B4-BE49-F238E27FC236}">
+                <a16:creationId xmlns:a16="http://schemas.microsoft.com/office/drawing/2014/main" id="{2FAA5FF5-F516-81CB-DABC-278CA954B39E}"/>
+              </a:ext>
+            </a:extLst>
+          </p:cNvPr>
+          <p:cNvSpPr/>
+          <p:nvPr/>
+        </p:nvSpPr>
+        <p:spPr>
+          <a:xfrm rot="16200000">
+            <a:off x="2819400" y="2019300"/>
+            <a:ext cx="5638800" cy="1447800"/>
+          </a:xfrm>
+          <a:prstGeom prst="rect">
+            <a:avLst/>
+          </a:prstGeom>
+        </p:spPr>
+        <p:style>
+          <a:lnRef idx="2">
+            <a:schemeClr val="accent1">
+              <a:shade val="15000"/>
+            </a:schemeClr>
+          </a:lnRef>
+          <a:fillRef idx="1">
+            <a:schemeClr val="accent1"/>
+          </a:fillRef>
+          <a:effectRef idx="0">
+            <a:schemeClr val="accent1"/>
+          </a:effectRef>
+          <a:fontRef idx="minor">
+            <a:schemeClr val="lt1"/>
+          </a:fontRef>
+        </p:style>
+        <p:txBody>
+          <a:bodyPr rtlCol="0" anchor="ctr"/>
+          <a:lstStyle/>
+          <a:p>
+            <a:pPr algn="ctr"/>
+            <a:endParaRPr lang="en-US"/>
+          </a:p>
+        </p:txBody>
+      </p:sp>
+    </p:spTree>
+    <p:extLst>
+      <p:ext uri="{BB962C8B-B14F-4D97-AF65-F5344CB8AC3E}">
+        <p14:creationId xmlns:p14="http://schemas.microsoft.com/office/powerpoint/2010/main" val="3122048"/>
+      </p:ext>
+    </p:extLst>
+  </p:cSld>
+  <p:clrMapOvr>
+    <a:masterClrMapping/>
+  </p:clrMapOvr>
+  <p:transition>
+    <p:fade/>
+  </p:transition>
+</p:sld>
+</file>
+
+<file path=ppt/slides/slide2.xml><?xml version="1.0" encoding="utf-8"?>
+<p:sld xmlns:a="http://schemas.openxmlformats.org/drawingml/2006/main" xmlns:r="http://schemas.openxmlformats.org/officeDocument/2006/relationships" xmlns:p="http://schemas.openxmlformats.org/presentationml/2006/main">
+  <p:cSld>
+    <p:bg>
+      <p:bgPr>
+        <a:solidFill>
+          <a:schemeClr val="bg1"/>
+        </a:solidFill>
+        <a:effectLst/>
+      </p:bgPr>
+    </p:bg>
+    <p:spTree>
+      <p:nvGrpSpPr>
+        <p:cNvPr id="1" name=""/>
+        <p:cNvGrpSpPr/>
+        <p:nvPr/>
+      </p:nvGrpSpPr>
+      <p:grpSpPr>
+        <a:xfrm>
+          <a:off x="0" y="0"/>
+          <a:ext cx="0" cy="0"/>
+          <a:chOff x="0" y="0"/>
+          <a:chExt cx="0" cy="0"/>
+        </a:xfrm>
+      </p:grpSpPr>
+      <p:grpSp>
+        <p:nvGrpSpPr>
+          <p:cNvPr id="4" name="Group 3">
+            <a:extLst>
+              <a:ext uri="{FF2B5EF4-FFF2-40B4-BE49-F238E27FC236}">
+                <a16:creationId xmlns:a16="http://schemas.microsoft.com/office/drawing/2014/main" id="{6924C90A-755B-A27E-89B0-4A9734E98548}"/>
+              </a:ext>
+            </a:extLst>
+          </p:cNvPr>
+          <p:cNvGrpSpPr/>
+          <p:nvPr/>
+        </p:nvGrpSpPr>
+        <p:grpSpPr>
+          <a:xfrm>
+            <a:off x="457200" y="1397214"/>
+            <a:ext cx="4343399" cy="707886"/>
+            <a:chOff x="762001" y="1806714"/>
+            <a:chExt cx="4343399" cy="707886"/>
+          </a:xfrm>
+        </p:grpSpPr>
+        <p:sp>
+          <p:nvSpPr>
+            <p:cNvPr id="10" name="TextBox 9">
+              <a:extLst>
+                <a:ext uri="{FF2B5EF4-FFF2-40B4-BE49-F238E27FC236}">
+                  <a16:creationId xmlns:a16="http://schemas.microsoft.com/office/drawing/2014/main" id="{4D0C7646-C75C-4E1F-4C3C-F5C4EAFBEA0F}"/>
+                </a:ext>
+              </a:extLst>
+            </p:cNvPr>
+            <p:cNvSpPr txBox="1"/>
+            <p:nvPr/>
+          </p:nvSpPr>
+          <p:spPr>
+            <a:xfrm>
+              <a:off x="762001" y="1806714"/>
+              <a:ext cx="4343399" cy="707886"/>
+            </a:xfrm>
+            <a:prstGeom prst="rect">
+              <a:avLst/>
+            </a:prstGeom>
+            <a:noFill/>
+          </p:spPr>
+          <p:txBody>
+            <a:bodyPr wrap="square" rtlCol="0">
+              <a:spAutoFit/>
+            </a:bodyPr>
+            <a:lstStyle/>
+            <a:p>
+              <a:r>
+                <a:rPr lang="en-US" sz="4000">
+                  <a:solidFill>
+                    <a:sysClr val="windowText" lastClr="000000"/>
+                  </a:solidFill>
+                  <a:latin typeface="#9Slide03 Ample" panose="02000000000000000000" pitchFamily="2" charset="0"/>
+                </a:rPr>
+                <a:t>using     to draw</a:t>
+              </a:r>
+            </a:p>
+          </p:txBody>
+        </p:sp>
+        <p:pic>
+          <p:nvPicPr>
+            <p:cNvPr id="9" name="Picture 8">
+              <a:extLst>
+                <a:ext uri="{FF2B5EF4-FFF2-40B4-BE49-F238E27FC236}">
+                  <a16:creationId xmlns:a16="http://schemas.microsoft.com/office/drawing/2014/main" id="{CBBFA950-B314-AA5F-1472-A2230DE4855B}"/>
+                </a:ext>
+              </a:extLst>
+            </p:cNvPr>
+            <p:cNvPicPr>
+              <a:picLocks noChangeAspect="1"/>
+            </p:cNvPicPr>
+            <p:nvPr/>
+          </p:nvPicPr>
+          <p:blipFill>
+            <a:blip r:embed="rId2">
+              <a:extLst>
+                <a:ext uri="{28A0092B-C50C-407E-A947-70E740481C1C}">
+                  <a14:useLocalDpi xmlns:a14="http://schemas.microsoft.com/office/drawing/2010/main" val="0"/>
+                </a:ext>
+              </a:extLst>
+            </a:blip>
+            <a:srcRect/>
+            <a:stretch/>
+          </p:blipFill>
+          <p:spPr>
+            <a:xfrm>
+              <a:off x="2133601" y="1933500"/>
+              <a:ext cx="468720" cy="468720"/>
+            </a:xfrm>
+            <a:prstGeom prst="rect">
+              <a:avLst/>
+            </a:prstGeom>
+          </p:spPr>
+        </p:pic>
+      </p:grpSp>
+      <p:sp>
+        <p:nvSpPr>
+          <p:cNvPr id="15" name="TextBox 14">
+            <a:extLst>
+              <a:ext uri="{FF2B5EF4-FFF2-40B4-BE49-F238E27FC236}">
+                <a16:creationId xmlns:a16="http://schemas.microsoft.com/office/drawing/2014/main" id="{586A3956-E64D-E70F-068D-F50D2ACCC342}"/>
               </a:ext>
             </a:extLst>
           </p:cNvPr>
@@ -3539,8 +3751,8 @@
         </p:nvSpPr>
         <p:spPr>
           <a:xfrm>
-            <a:off x="1562100" y="1066800"/>
-            <a:ext cx="1600200" cy="707886"/>
+            <a:off x="152400" y="533400"/>
+            <a:ext cx="4343399" cy="830997"/>
           </a:xfrm>
           <a:prstGeom prst="rect">
             <a:avLst/>
@@ -3554,18 +3766,761 @@
           <a:lstStyle/>
           <a:p>
             <a:r>
-              <a:rPr lang="en-US" sz="4000">
+              <a:rPr lang="en-US" sz="4800">
+                <a:solidFill>
+                  <a:sysClr val="windowText" lastClr="000000"/>
+                </a:solidFill>
                 <a:latin typeface="#9Slide03 Ample" panose="02000000000000000000" pitchFamily="2" charset="0"/>
               </a:rPr>
-              <a:t>player</a:t>
-            </a:r>
+              <a:t>How to play:</a:t>
+            </a:r>
+          </a:p>
+        </p:txBody>
+      </p:sp>
+      <p:sp>
+        <p:nvSpPr>
+          <p:cNvPr id="2" name="Rectangle 1">
+            <a:extLst>
+              <a:ext uri="{FF2B5EF4-FFF2-40B4-BE49-F238E27FC236}">
+                <a16:creationId xmlns:a16="http://schemas.microsoft.com/office/drawing/2014/main" id="{6B8A9883-0F1F-B5AC-3A52-0CDFC9CEB71F}"/>
+              </a:ext>
+            </a:extLst>
+          </p:cNvPr>
+          <p:cNvSpPr/>
+          <p:nvPr/>
+        </p:nvSpPr>
+        <p:spPr>
+          <a:xfrm>
+            <a:off x="0" y="2633394"/>
+            <a:ext cx="5638800" cy="1447800"/>
+          </a:xfrm>
+          <a:prstGeom prst="rect">
+            <a:avLst/>
+          </a:prstGeom>
+        </p:spPr>
+        <p:style>
+          <a:lnRef idx="2">
+            <a:schemeClr val="accent1">
+              <a:shade val="15000"/>
+            </a:schemeClr>
+          </a:lnRef>
+          <a:fillRef idx="1">
+            <a:schemeClr val="accent1"/>
+          </a:fillRef>
+          <a:effectRef idx="0">
+            <a:schemeClr val="accent1"/>
+          </a:effectRef>
+          <a:fontRef idx="minor">
+            <a:schemeClr val="lt1"/>
+          </a:fontRef>
+        </p:style>
+        <p:txBody>
+          <a:bodyPr rtlCol="0" anchor="ctr"/>
+          <a:lstStyle/>
+          <a:p>
+            <a:pPr algn="ctr"/>
+            <a:endParaRPr lang="en-US"/>
+          </a:p>
+        </p:txBody>
+      </p:sp>
+      <p:sp>
+        <p:nvSpPr>
+          <p:cNvPr id="3" name="Rectangle 2">
+            <a:extLst>
+              <a:ext uri="{FF2B5EF4-FFF2-40B4-BE49-F238E27FC236}">
+                <a16:creationId xmlns:a16="http://schemas.microsoft.com/office/drawing/2014/main" id="{2FAA5FF5-F516-81CB-DABC-278CA954B39E}"/>
+              </a:ext>
+            </a:extLst>
+          </p:cNvPr>
+          <p:cNvSpPr/>
+          <p:nvPr/>
+        </p:nvSpPr>
+        <p:spPr>
+          <a:xfrm rot="16200000">
+            <a:off x="2819400" y="2019300"/>
+            <a:ext cx="5638800" cy="1447800"/>
+          </a:xfrm>
+          <a:prstGeom prst="rect">
+            <a:avLst/>
+          </a:prstGeom>
+        </p:spPr>
+        <p:style>
+          <a:lnRef idx="2">
+            <a:schemeClr val="accent1">
+              <a:shade val="15000"/>
+            </a:schemeClr>
+          </a:lnRef>
+          <a:fillRef idx="1">
+            <a:schemeClr val="accent1"/>
+          </a:fillRef>
+          <a:effectRef idx="0">
+            <a:schemeClr val="accent1"/>
+          </a:effectRef>
+          <a:fontRef idx="minor">
+            <a:schemeClr val="lt1"/>
+          </a:fontRef>
+        </p:style>
+        <p:txBody>
+          <a:bodyPr rtlCol="0" anchor="ctr"/>
+          <a:lstStyle/>
+          <a:p>
+            <a:pPr algn="ctr"/>
+            <a:endParaRPr lang="en-US"/>
           </a:p>
         </p:txBody>
       </p:sp>
     </p:spTree>
     <p:extLst>
       <p:ext uri="{BB962C8B-B14F-4D97-AF65-F5344CB8AC3E}">
-        <p14:creationId xmlns:p14="http://schemas.microsoft.com/office/powerpoint/2010/main" val="3122048"/>
+        <p14:creationId xmlns:p14="http://schemas.microsoft.com/office/powerpoint/2010/main" val="382264689"/>
+      </p:ext>
+    </p:extLst>
+  </p:cSld>
+  <p:clrMapOvr>
+    <a:masterClrMapping/>
+  </p:clrMapOvr>
+  <p:transition>
+    <p:fade/>
+  </p:transition>
+</p:sld>
+</file>
+
+<file path=ppt/slides/slide3.xml><?xml version="1.0" encoding="utf-8"?>
+<p:sld xmlns:a="http://schemas.openxmlformats.org/drawingml/2006/main" xmlns:r="http://schemas.openxmlformats.org/officeDocument/2006/relationships" xmlns:p="http://schemas.openxmlformats.org/presentationml/2006/main">
+  <p:cSld>
+    <p:bg>
+      <p:bgPr>
+        <a:solidFill>
+          <a:schemeClr val="tx1"/>
+        </a:solidFill>
+        <a:effectLst/>
+      </p:bgPr>
+    </p:bg>
+    <p:spTree>
+      <p:nvGrpSpPr>
+        <p:cNvPr id="1" name=""/>
+        <p:cNvGrpSpPr/>
+        <p:nvPr/>
+      </p:nvGrpSpPr>
+      <p:grpSpPr>
+        <a:xfrm>
+          <a:off x="0" y="0"/>
+          <a:ext cx="0" cy="0"/>
+          <a:chOff x="0" y="0"/>
+          <a:chExt cx="0" cy="0"/>
+        </a:xfrm>
+      </p:grpSpPr>
+      <p:grpSp>
+        <p:nvGrpSpPr>
+          <p:cNvPr id="8" name="Group 7">
+            <a:extLst>
+              <a:ext uri="{FF2B5EF4-FFF2-40B4-BE49-F238E27FC236}">
+                <a16:creationId xmlns:a16="http://schemas.microsoft.com/office/drawing/2014/main" id="{DFBBD7AA-956C-6D58-B704-25CCBC80A49A}"/>
+              </a:ext>
+            </a:extLst>
+          </p:cNvPr>
+          <p:cNvGrpSpPr/>
+          <p:nvPr/>
+        </p:nvGrpSpPr>
+        <p:grpSpPr>
+          <a:xfrm>
+            <a:off x="457200" y="968514"/>
+            <a:ext cx="4343399" cy="707886"/>
+            <a:chOff x="457200" y="1151988"/>
+            <a:chExt cx="4343399" cy="707886"/>
+          </a:xfrm>
+        </p:grpSpPr>
+        <p:sp>
+          <p:nvSpPr>
+            <p:cNvPr id="10" name="TextBox 9">
+              <a:extLst>
+                <a:ext uri="{FF2B5EF4-FFF2-40B4-BE49-F238E27FC236}">
+                  <a16:creationId xmlns:a16="http://schemas.microsoft.com/office/drawing/2014/main" id="{4D0C7646-C75C-4E1F-4C3C-F5C4EAFBEA0F}"/>
+                </a:ext>
+              </a:extLst>
+            </p:cNvPr>
+            <p:cNvSpPr txBox="1"/>
+            <p:nvPr/>
+          </p:nvSpPr>
+          <p:spPr>
+            <a:xfrm>
+              <a:off x="457200" y="1151988"/>
+              <a:ext cx="4343399" cy="707886"/>
+            </a:xfrm>
+            <a:prstGeom prst="rect">
+              <a:avLst/>
+            </a:prstGeom>
+            <a:noFill/>
+          </p:spPr>
+          <p:txBody>
+            <a:bodyPr wrap="square" rtlCol="0">
+              <a:spAutoFit/>
+            </a:bodyPr>
+            <a:lstStyle/>
+            <a:p>
+              <a:r>
+                <a:rPr lang="en-US" sz="4000">
+                  <a:solidFill>
+                    <a:schemeClr val="bg1"/>
+                  </a:solidFill>
+                  <a:latin typeface="#9Slide03 Ample" panose="02000000000000000000" pitchFamily="2" charset="0"/>
+                </a:rPr>
+                <a:t>using     to move</a:t>
+              </a:r>
+            </a:p>
+          </p:txBody>
+        </p:sp>
+        <p:pic>
+          <p:nvPicPr>
+            <p:cNvPr id="9" name="Picture 8">
+              <a:extLst>
+                <a:ext uri="{FF2B5EF4-FFF2-40B4-BE49-F238E27FC236}">
+                  <a16:creationId xmlns:a16="http://schemas.microsoft.com/office/drawing/2014/main" id="{CBBFA950-B314-AA5F-1472-A2230DE4855B}"/>
+                </a:ext>
+              </a:extLst>
+            </p:cNvPr>
+            <p:cNvPicPr>
+              <a:picLocks noChangeAspect="1"/>
+            </p:cNvPicPr>
+            <p:nvPr/>
+          </p:nvPicPr>
+          <p:blipFill>
+            <a:blip r:embed="rId2">
+              <a:extLst>
+                <a:ext uri="{28A0092B-C50C-407E-A947-70E740481C1C}">
+                  <a14:useLocalDpi xmlns:a14="http://schemas.microsoft.com/office/drawing/2010/main" val="0"/>
+                </a:ext>
+              </a:extLst>
+            </a:blip>
+            <a:srcRect/>
+            <a:stretch/>
+          </p:blipFill>
+          <p:spPr>
+            <a:xfrm>
+              <a:off x="1730807" y="1215381"/>
+              <a:ext cx="581100" cy="581100"/>
+            </a:xfrm>
+            <a:prstGeom prst="rect">
+              <a:avLst/>
+            </a:prstGeom>
+          </p:spPr>
+        </p:pic>
+      </p:grpSp>
+      <p:sp>
+        <p:nvSpPr>
+          <p:cNvPr id="15" name="TextBox 14">
+            <a:extLst>
+              <a:ext uri="{FF2B5EF4-FFF2-40B4-BE49-F238E27FC236}">
+                <a16:creationId xmlns:a16="http://schemas.microsoft.com/office/drawing/2014/main" id="{586A3956-E64D-E70F-068D-F50D2ACCC342}"/>
+              </a:ext>
+            </a:extLst>
+          </p:cNvPr>
+          <p:cNvSpPr txBox="1"/>
+          <p:nvPr/>
+        </p:nvSpPr>
+        <p:spPr>
+          <a:xfrm>
+            <a:off x="140207" y="228600"/>
+            <a:ext cx="4343399" cy="830997"/>
+          </a:xfrm>
+          <a:prstGeom prst="rect">
+            <a:avLst/>
+          </a:prstGeom>
+          <a:noFill/>
+        </p:spPr>
+        <p:txBody>
+          <a:bodyPr wrap="square" rtlCol="0">
+            <a:spAutoFit/>
+          </a:bodyPr>
+          <a:lstStyle/>
+          <a:p>
+            <a:r>
+              <a:rPr lang="en-US" sz="4800">
+                <a:solidFill>
+                  <a:schemeClr val="bg1"/>
+                </a:solidFill>
+                <a:latin typeface="#9Slide03 Ample" panose="02000000000000000000" pitchFamily="2" charset="0"/>
+              </a:rPr>
+              <a:t>How to play:</a:t>
+            </a:r>
+          </a:p>
+        </p:txBody>
+      </p:sp>
+      <p:sp>
+        <p:nvSpPr>
+          <p:cNvPr id="2" name="Rectangle 1">
+            <a:extLst>
+              <a:ext uri="{FF2B5EF4-FFF2-40B4-BE49-F238E27FC236}">
+                <a16:creationId xmlns:a16="http://schemas.microsoft.com/office/drawing/2014/main" id="{6B8A9883-0F1F-B5AC-3A52-0CDFC9CEB71F}"/>
+              </a:ext>
+            </a:extLst>
+          </p:cNvPr>
+          <p:cNvSpPr/>
+          <p:nvPr/>
+        </p:nvSpPr>
+        <p:spPr>
+          <a:xfrm>
+            <a:off x="0" y="2633394"/>
+            <a:ext cx="5638800" cy="1447800"/>
+          </a:xfrm>
+          <a:prstGeom prst="rect">
+            <a:avLst/>
+          </a:prstGeom>
+        </p:spPr>
+        <p:style>
+          <a:lnRef idx="2">
+            <a:schemeClr val="accent1">
+              <a:shade val="15000"/>
+            </a:schemeClr>
+          </a:lnRef>
+          <a:fillRef idx="1">
+            <a:schemeClr val="accent1"/>
+          </a:fillRef>
+          <a:effectRef idx="0">
+            <a:schemeClr val="accent1"/>
+          </a:effectRef>
+          <a:fontRef idx="minor">
+            <a:schemeClr val="lt1"/>
+          </a:fontRef>
+        </p:style>
+        <p:txBody>
+          <a:bodyPr rtlCol="0" anchor="ctr"/>
+          <a:lstStyle/>
+          <a:p>
+            <a:pPr algn="ctr"/>
+            <a:endParaRPr lang="en-US"/>
+          </a:p>
+        </p:txBody>
+      </p:sp>
+      <p:sp>
+        <p:nvSpPr>
+          <p:cNvPr id="3" name="Rectangle 2">
+            <a:extLst>
+              <a:ext uri="{FF2B5EF4-FFF2-40B4-BE49-F238E27FC236}">
+                <a16:creationId xmlns:a16="http://schemas.microsoft.com/office/drawing/2014/main" id="{2FAA5FF5-F516-81CB-DABC-278CA954B39E}"/>
+              </a:ext>
+            </a:extLst>
+          </p:cNvPr>
+          <p:cNvSpPr/>
+          <p:nvPr/>
+        </p:nvSpPr>
+        <p:spPr>
+          <a:xfrm rot="16200000">
+            <a:off x="2819400" y="2019300"/>
+            <a:ext cx="5638800" cy="1447800"/>
+          </a:xfrm>
+          <a:prstGeom prst="rect">
+            <a:avLst/>
+          </a:prstGeom>
+        </p:spPr>
+        <p:style>
+          <a:lnRef idx="2">
+            <a:schemeClr val="accent1">
+              <a:shade val="15000"/>
+            </a:schemeClr>
+          </a:lnRef>
+          <a:fillRef idx="1">
+            <a:schemeClr val="accent1"/>
+          </a:fillRef>
+          <a:effectRef idx="0">
+            <a:schemeClr val="accent1"/>
+          </a:effectRef>
+          <a:fontRef idx="minor">
+            <a:schemeClr val="lt1"/>
+          </a:fontRef>
+        </p:style>
+        <p:txBody>
+          <a:bodyPr rtlCol="0" anchor="ctr"/>
+          <a:lstStyle/>
+          <a:p>
+            <a:pPr algn="ctr"/>
+            <a:endParaRPr lang="en-US"/>
+          </a:p>
+        </p:txBody>
+      </p:sp>
+      <p:grpSp>
+        <p:nvGrpSpPr>
+          <p:cNvPr id="11" name="Group 10">
+            <a:extLst>
+              <a:ext uri="{FF2B5EF4-FFF2-40B4-BE49-F238E27FC236}">
+                <a16:creationId xmlns:a16="http://schemas.microsoft.com/office/drawing/2014/main" id="{66854688-DF39-767B-308D-B735ED3B55D4}"/>
+              </a:ext>
+            </a:extLst>
+          </p:cNvPr>
+          <p:cNvGrpSpPr/>
+          <p:nvPr/>
+        </p:nvGrpSpPr>
+        <p:grpSpPr>
+          <a:xfrm>
+            <a:off x="457199" y="1572633"/>
+            <a:ext cx="4343399" cy="707886"/>
+            <a:chOff x="457200" y="1738691"/>
+            <a:chExt cx="4343399" cy="707886"/>
+          </a:xfrm>
+        </p:grpSpPr>
+        <p:sp>
+          <p:nvSpPr>
+            <p:cNvPr id="7" name="TextBox 6">
+              <a:extLst>
+                <a:ext uri="{FF2B5EF4-FFF2-40B4-BE49-F238E27FC236}">
+                  <a16:creationId xmlns:a16="http://schemas.microsoft.com/office/drawing/2014/main" id="{AA92FBB1-72DF-AB1B-F372-AB204CF657EF}"/>
+                </a:ext>
+              </a:extLst>
+            </p:cNvPr>
+            <p:cNvSpPr txBox="1"/>
+            <p:nvPr/>
+          </p:nvSpPr>
+          <p:spPr>
+            <a:xfrm>
+              <a:off x="457200" y="1738691"/>
+              <a:ext cx="4343399" cy="707886"/>
+            </a:xfrm>
+            <a:prstGeom prst="rect">
+              <a:avLst/>
+            </a:prstGeom>
+            <a:noFill/>
+          </p:spPr>
+          <p:txBody>
+            <a:bodyPr wrap="square" rtlCol="0">
+              <a:spAutoFit/>
+            </a:bodyPr>
+            <a:lstStyle/>
+            <a:p>
+              <a:r>
+                <a:rPr lang="en-US" sz="4000">
+                  <a:solidFill>
+                    <a:schemeClr val="bg1"/>
+                  </a:solidFill>
+                  <a:latin typeface="#9Slide03 Ample" panose="02000000000000000000" pitchFamily="2" charset="0"/>
+                </a:rPr>
+                <a:t>eat    to power up</a:t>
+              </a:r>
+            </a:p>
+          </p:txBody>
+        </p:sp>
+        <p:sp>
+          <p:nvSpPr>
+            <p:cNvPr id="6" name="Oval 5">
+              <a:extLst>
+                <a:ext uri="{FF2B5EF4-FFF2-40B4-BE49-F238E27FC236}">
+                  <a16:creationId xmlns:a16="http://schemas.microsoft.com/office/drawing/2014/main" id="{8AC62A43-75AD-F78E-7C9A-C7C39DC78D30}"/>
+                </a:ext>
+              </a:extLst>
+            </p:cNvPr>
+            <p:cNvSpPr/>
+            <p:nvPr/>
+          </p:nvSpPr>
+          <p:spPr>
+            <a:xfrm>
+              <a:off x="1371600" y="1986033"/>
+              <a:ext cx="273726" cy="273726"/>
+            </a:xfrm>
+            <a:prstGeom prst="ellipse">
+              <a:avLst/>
+            </a:prstGeom>
+            <a:solidFill>
+              <a:schemeClr val="bg1"/>
+            </a:solidFill>
+          </p:spPr>
+          <p:style>
+            <a:lnRef idx="2">
+              <a:schemeClr val="accent1">
+                <a:shade val="15000"/>
+              </a:schemeClr>
+            </a:lnRef>
+            <a:fillRef idx="1">
+              <a:schemeClr val="accent1"/>
+            </a:fillRef>
+            <a:effectRef idx="0">
+              <a:schemeClr val="accent1"/>
+            </a:effectRef>
+            <a:fontRef idx="minor">
+              <a:schemeClr val="lt1"/>
+            </a:fontRef>
+          </p:style>
+          <p:txBody>
+            <a:bodyPr rtlCol="0" anchor="ctr"/>
+            <a:lstStyle/>
+            <a:p>
+              <a:pPr algn="ctr"/>
+              <a:endParaRPr lang="en-US"/>
+            </a:p>
+          </p:txBody>
+        </p:sp>
+      </p:grpSp>
+    </p:spTree>
+    <p:extLst>
+      <p:ext uri="{BB962C8B-B14F-4D97-AF65-F5344CB8AC3E}">
+        <p14:creationId xmlns:p14="http://schemas.microsoft.com/office/powerpoint/2010/main" val="591843422"/>
+      </p:ext>
+    </p:extLst>
+  </p:cSld>
+  <p:clrMapOvr>
+    <a:masterClrMapping/>
+  </p:clrMapOvr>
+  <p:transition>
+    <p:fade/>
+  </p:transition>
+</p:sld>
+</file>
+
+<file path=ppt/slides/slide4.xml><?xml version="1.0" encoding="utf-8"?>
+<p:sld xmlns:a="http://schemas.openxmlformats.org/drawingml/2006/main" xmlns:r="http://schemas.openxmlformats.org/officeDocument/2006/relationships" xmlns:p="http://schemas.openxmlformats.org/presentationml/2006/main">
+  <p:cSld>
+    <p:bg>
+      <p:bgPr>
+        <a:solidFill>
+          <a:srgbClr val="71C5CF"/>
+        </a:solidFill>
+        <a:effectLst/>
+      </p:bgPr>
+    </p:bg>
+    <p:spTree>
+      <p:nvGrpSpPr>
+        <p:cNvPr id="1" name=""/>
+        <p:cNvGrpSpPr/>
+        <p:nvPr/>
+      </p:nvGrpSpPr>
+      <p:grpSpPr>
+        <a:xfrm>
+          <a:off x="0" y="0"/>
+          <a:ext cx="0" cy="0"/>
+          <a:chOff x="0" y="0"/>
+          <a:chExt cx="0" cy="0"/>
+        </a:xfrm>
+      </p:grpSpPr>
+      <p:grpSp>
+        <p:nvGrpSpPr>
+          <p:cNvPr id="8" name="Group 7">
+            <a:extLst>
+              <a:ext uri="{FF2B5EF4-FFF2-40B4-BE49-F238E27FC236}">
+                <a16:creationId xmlns:a16="http://schemas.microsoft.com/office/drawing/2014/main" id="{DFBBD7AA-956C-6D58-B704-25CCBC80A49A}"/>
+              </a:ext>
+            </a:extLst>
+          </p:cNvPr>
+          <p:cNvGrpSpPr/>
+          <p:nvPr/>
+        </p:nvGrpSpPr>
+        <p:grpSpPr>
+          <a:xfrm>
+            <a:off x="355853" y="1092414"/>
+            <a:ext cx="4343399" cy="707886"/>
+            <a:chOff x="457200" y="1151988"/>
+            <a:chExt cx="4343399" cy="707886"/>
+          </a:xfrm>
+        </p:grpSpPr>
+        <p:sp>
+          <p:nvSpPr>
+            <p:cNvPr id="10" name="TextBox 9">
+              <a:extLst>
+                <a:ext uri="{FF2B5EF4-FFF2-40B4-BE49-F238E27FC236}">
+                  <a16:creationId xmlns:a16="http://schemas.microsoft.com/office/drawing/2014/main" id="{4D0C7646-C75C-4E1F-4C3C-F5C4EAFBEA0F}"/>
+                </a:ext>
+              </a:extLst>
+            </p:cNvPr>
+            <p:cNvSpPr txBox="1"/>
+            <p:nvPr/>
+          </p:nvSpPr>
+          <p:spPr>
+            <a:xfrm>
+              <a:off x="457200" y="1151988"/>
+              <a:ext cx="4343399" cy="707886"/>
+            </a:xfrm>
+            <a:prstGeom prst="rect">
+              <a:avLst/>
+            </a:prstGeom>
+            <a:noFill/>
+          </p:spPr>
+          <p:txBody>
+            <a:bodyPr wrap="square" rtlCol="0">
+              <a:spAutoFit/>
+            </a:bodyPr>
+            <a:lstStyle/>
+            <a:p>
+              <a:r>
+                <a:rPr lang="en-US" sz="4000">
+                  <a:solidFill>
+                    <a:schemeClr val="bg1"/>
+                  </a:solidFill>
+                  <a:latin typeface="#9Slide03 Ample" panose="02000000000000000000" pitchFamily="2" charset="0"/>
+                </a:rPr>
+                <a:t>using       to fly</a:t>
+              </a:r>
+            </a:p>
+          </p:txBody>
+        </p:sp>
+        <p:pic>
+          <p:nvPicPr>
+            <p:cNvPr id="9" name="Picture 8">
+              <a:extLst>
+                <a:ext uri="{FF2B5EF4-FFF2-40B4-BE49-F238E27FC236}">
+                  <a16:creationId xmlns:a16="http://schemas.microsoft.com/office/drawing/2014/main" id="{CBBFA950-B314-AA5F-1472-A2230DE4855B}"/>
+                </a:ext>
+              </a:extLst>
+            </p:cNvPr>
+            <p:cNvPicPr>
+              <a:picLocks noChangeAspect="1"/>
+            </p:cNvPicPr>
+            <p:nvPr/>
+          </p:nvPicPr>
+          <p:blipFill>
+            <a:blip r:embed="rId2">
+              <a:extLst>
+                <a:ext uri="{28A0092B-C50C-407E-A947-70E740481C1C}">
+                  <a14:useLocalDpi xmlns:a14="http://schemas.microsoft.com/office/drawing/2010/main" val="0"/>
+                </a:ext>
+              </a:extLst>
+            </a:blip>
+            <a:srcRect/>
+            <a:stretch/>
+          </p:blipFill>
+          <p:spPr>
+            <a:xfrm>
+              <a:off x="1832154" y="1215381"/>
+              <a:ext cx="631393" cy="581100"/>
+            </a:xfrm>
+            <a:prstGeom prst="rect">
+              <a:avLst/>
+            </a:prstGeom>
+          </p:spPr>
+        </p:pic>
+      </p:grpSp>
+      <p:sp>
+        <p:nvSpPr>
+          <p:cNvPr id="15" name="TextBox 14">
+            <a:extLst>
+              <a:ext uri="{FF2B5EF4-FFF2-40B4-BE49-F238E27FC236}">
+                <a16:creationId xmlns:a16="http://schemas.microsoft.com/office/drawing/2014/main" id="{586A3956-E64D-E70F-068D-F50D2ACCC342}"/>
+              </a:ext>
+            </a:extLst>
+          </p:cNvPr>
+          <p:cNvSpPr txBox="1"/>
+          <p:nvPr/>
+        </p:nvSpPr>
+        <p:spPr>
+          <a:xfrm>
+            <a:off x="76200" y="447600"/>
+            <a:ext cx="4343399" cy="830997"/>
+          </a:xfrm>
+          <a:prstGeom prst="rect">
+            <a:avLst/>
+          </a:prstGeom>
+          <a:noFill/>
+        </p:spPr>
+        <p:txBody>
+          <a:bodyPr wrap="square" rtlCol="0">
+            <a:spAutoFit/>
+          </a:bodyPr>
+          <a:lstStyle/>
+          <a:p>
+            <a:r>
+              <a:rPr lang="en-US" sz="4800">
+                <a:solidFill>
+                  <a:schemeClr val="bg1"/>
+                </a:solidFill>
+                <a:latin typeface="#9Slide03 Ample" panose="02000000000000000000" pitchFamily="2" charset="0"/>
+              </a:rPr>
+              <a:t>How to play:</a:t>
+            </a:r>
+          </a:p>
+        </p:txBody>
+      </p:sp>
+      <p:sp>
+        <p:nvSpPr>
+          <p:cNvPr id="2" name="Rectangle 1">
+            <a:extLst>
+              <a:ext uri="{FF2B5EF4-FFF2-40B4-BE49-F238E27FC236}">
+                <a16:creationId xmlns:a16="http://schemas.microsoft.com/office/drawing/2014/main" id="{6B8A9883-0F1F-B5AC-3A52-0CDFC9CEB71F}"/>
+              </a:ext>
+            </a:extLst>
+          </p:cNvPr>
+          <p:cNvSpPr/>
+          <p:nvPr/>
+        </p:nvSpPr>
+        <p:spPr>
+          <a:xfrm>
+            <a:off x="0" y="2633394"/>
+            <a:ext cx="5638800" cy="1447800"/>
+          </a:xfrm>
+          <a:prstGeom prst="rect">
+            <a:avLst/>
+          </a:prstGeom>
+        </p:spPr>
+        <p:style>
+          <a:lnRef idx="2">
+            <a:schemeClr val="accent1">
+              <a:shade val="15000"/>
+            </a:schemeClr>
+          </a:lnRef>
+          <a:fillRef idx="1">
+            <a:schemeClr val="accent1"/>
+          </a:fillRef>
+          <a:effectRef idx="0">
+            <a:schemeClr val="accent1"/>
+          </a:effectRef>
+          <a:fontRef idx="minor">
+            <a:schemeClr val="lt1"/>
+          </a:fontRef>
+        </p:style>
+        <p:txBody>
+          <a:bodyPr rtlCol="0" anchor="ctr"/>
+          <a:lstStyle/>
+          <a:p>
+            <a:pPr algn="ctr"/>
+            <a:endParaRPr lang="en-US"/>
+          </a:p>
+        </p:txBody>
+      </p:sp>
+      <p:sp>
+        <p:nvSpPr>
+          <p:cNvPr id="3" name="Rectangle 2">
+            <a:extLst>
+              <a:ext uri="{FF2B5EF4-FFF2-40B4-BE49-F238E27FC236}">
+                <a16:creationId xmlns:a16="http://schemas.microsoft.com/office/drawing/2014/main" id="{2FAA5FF5-F516-81CB-DABC-278CA954B39E}"/>
+              </a:ext>
+            </a:extLst>
+          </p:cNvPr>
+          <p:cNvSpPr/>
+          <p:nvPr/>
+        </p:nvSpPr>
+        <p:spPr>
+          <a:xfrm rot="16200000">
+            <a:off x="2819400" y="2019300"/>
+            <a:ext cx="5638800" cy="1447800"/>
+          </a:xfrm>
+          <a:prstGeom prst="rect">
+            <a:avLst/>
+          </a:prstGeom>
+        </p:spPr>
+        <p:style>
+          <a:lnRef idx="2">
+            <a:schemeClr val="accent1">
+              <a:shade val="15000"/>
+            </a:schemeClr>
+          </a:lnRef>
+          <a:fillRef idx="1">
+            <a:schemeClr val="accent1"/>
+          </a:fillRef>
+          <a:effectRef idx="0">
+            <a:schemeClr val="accent1"/>
+          </a:effectRef>
+          <a:fontRef idx="minor">
+            <a:schemeClr val="lt1"/>
+          </a:fontRef>
+        </p:style>
+        <p:txBody>
+          <a:bodyPr rtlCol="0" anchor="ctr"/>
+          <a:lstStyle/>
+          <a:p>
+            <a:pPr algn="ctr"/>
+            <a:endParaRPr lang="en-US"/>
+          </a:p>
+        </p:txBody>
+      </p:sp>
+    </p:spTree>
+    <p:extLst>
+      <p:ext uri="{BB962C8B-B14F-4D97-AF65-F5344CB8AC3E}">
+        <p14:creationId xmlns:p14="http://schemas.microsoft.com/office/powerpoint/2010/main" val="3934434605"/>
       </p:ext>
     </p:extLst>
   </p:cSld>

--- a/description for web/howtoplay.pptx
+++ b/description for web/howtoplay.pptx
@@ -9,6 +9,7 @@
     <p:sldId id="257" r:id="rId3"/>
     <p:sldId id="258" r:id="rId4"/>
     <p:sldId id="259" r:id="rId5"/>
+    <p:sldId id="260" r:id="rId6"/>
   </p:sldIdLst>
   <p:sldSz cx="12192000" cy="6858000"/>
   <p:notesSz cx="6858000" cy="9144000"/>
@@ -262,7 +263,7 @@
           <a:p>
             <a:fld id="{4333BB56-FEAD-413E-8AB9-9F9EF641A954}" type="datetimeFigureOut">
               <a:rPr lang="en-US" smtClean="0"/>
-              <a:t>21/9/2024</a:t>
+              <a:t>29/9/2024</a:t>
             </a:fld>
             <a:endParaRPr lang="en-US"/>
           </a:p>
@@ -460,7 +461,7 @@
           <a:p>
             <a:fld id="{4333BB56-FEAD-413E-8AB9-9F9EF641A954}" type="datetimeFigureOut">
               <a:rPr lang="en-US" smtClean="0"/>
-              <a:t>21/9/2024</a:t>
+              <a:t>29/9/2024</a:t>
             </a:fld>
             <a:endParaRPr lang="en-US"/>
           </a:p>
@@ -668,7 +669,7 @@
           <a:p>
             <a:fld id="{4333BB56-FEAD-413E-8AB9-9F9EF641A954}" type="datetimeFigureOut">
               <a:rPr lang="en-US" smtClean="0"/>
-              <a:t>21/9/2024</a:t>
+              <a:t>29/9/2024</a:t>
             </a:fld>
             <a:endParaRPr lang="en-US"/>
           </a:p>
@@ -866,7 +867,7 @@
           <a:p>
             <a:fld id="{4333BB56-FEAD-413E-8AB9-9F9EF641A954}" type="datetimeFigureOut">
               <a:rPr lang="en-US" smtClean="0"/>
-              <a:t>21/9/2024</a:t>
+              <a:t>29/9/2024</a:t>
             </a:fld>
             <a:endParaRPr lang="en-US"/>
           </a:p>
@@ -1141,7 +1142,7 @@
           <a:p>
             <a:fld id="{4333BB56-FEAD-413E-8AB9-9F9EF641A954}" type="datetimeFigureOut">
               <a:rPr lang="en-US" smtClean="0"/>
-              <a:t>21/9/2024</a:t>
+              <a:t>29/9/2024</a:t>
             </a:fld>
             <a:endParaRPr lang="en-US"/>
           </a:p>
@@ -1406,7 +1407,7 @@
           <a:p>
             <a:fld id="{4333BB56-FEAD-413E-8AB9-9F9EF641A954}" type="datetimeFigureOut">
               <a:rPr lang="en-US" smtClean="0"/>
-              <a:t>21/9/2024</a:t>
+              <a:t>29/9/2024</a:t>
             </a:fld>
             <a:endParaRPr lang="en-US"/>
           </a:p>
@@ -1818,7 +1819,7 @@
           <a:p>
             <a:fld id="{4333BB56-FEAD-413E-8AB9-9F9EF641A954}" type="datetimeFigureOut">
               <a:rPr lang="en-US" smtClean="0"/>
-              <a:t>21/9/2024</a:t>
+              <a:t>29/9/2024</a:t>
             </a:fld>
             <a:endParaRPr lang="en-US"/>
           </a:p>
@@ -1959,7 +1960,7 @@
           <a:p>
             <a:fld id="{4333BB56-FEAD-413E-8AB9-9F9EF641A954}" type="datetimeFigureOut">
               <a:rPr lang="en-US" smtClean="0"/>
-              <a:t>21/9/2024</a:t>
+              <a:t>29/9/2024</a:t>
             </a:fld>
             <a:endParaRPr lang="en-US"/>
           </a:p>
@@ -2072,7 +2073,7 @@
           <a:p>
             <a:fld id="{4333BB56-FEAD-413E-8AB9-9F9EF641A954}" type="datetimeFigureOut">
               <a:rPr lang="en-US" smtClean="0"/>
-              <a:t>21/9/2024</a:t>
+              <a:t>29/9/2024</a:t>
             </a:fld>
             <a:endParaRPr lang="en-US"/>
           </a:p>
@@ -2383,7 +2384,7 @@
           <a:p>
             <a:fld id="{4333BB56-FEAD-413E-8AB9-9F9EF641A954}" type="datetimeFigureOut">
               <a:rPr lang="en-US" smtClean="0"/>
-              <a:t>21/9/2024</a:t>
+              <a:t>29/9/2024</a:t>
             </a:fld>
             <a:endParaRPr lang="en-US"/>
           </a:p>
@@ -2671,7 +2672,7 @@
           <a:p>
             <a:fld id="{4333BB56-FEAD-413E-8AB9-9F9EF641A954}" type="datetimeFigureOut">
               <a:rPr lang="en-US" smtClean="0"/>
-              <a:t>21/9/2024</a:t>
+              <a:t>29/9/2024</a:t>
             </a:fld>
             <a:endParaRPr lang="en-US"/>
           </a:p>
@@ -2768,10 +2769,10 @@
       </p:grpSpPr>
       <p:sp>
         <p:nvSpPr>
-          <p:cNvPr id="7" name="9Slide.vn - 2019">
-            <a:extLst>
-              <a:ext uri="{FF2B5EF4-FFF2-40B4-BE49-F238E27FC236}">
-                <a16:creationId xmlns:a16="http://schemas.microsoft.com/office/drawing/2014/main" id="{8DE346BB-3CF8-2CE8-EE50-442CB7874012}"/>
+          <p:cNvPr id="8" name="9Slide.vn - 2019">
+            <a:extLst>
+              <a:ext uri="{FF2B5EF4-FFF2-40B4-BE49-F238E27FC236}">
+                <a16:creationId xmlns:a16="http://schemas.microsoft.com/office/drawing/2014/main" id="{C4270F9D-DDC1-4837-90F0-57F290CF8506}"/>
               </a:ext>
             </a:extLst>
           </p:cNvPr>
@@ -2952,7 +2953,7 @@
           <a:p>
             <a:fld id="{4333BB56-FEAD-413E-8AB9-9F9EF641A954}" type="datetimeFigureOut">
               <a:rPr lang="en-US" smtClean="0"/>
-              <a:t>21/9/2024</a:t>
+              <a:t>29/9/2024</a:t>
             </a:fld>
             <a:endParaRPr lang="en-US"/>
           </a:p>
@@ -4533,6 +4534,275 @@
 </p:sld>
 </file>
 
+<file path=ppt/slides/slide5.xml><?xml version="1.0" encoding="utf-8"?>
+<p:sld xmlns:a="http://schemas.openxmlformats.org/drawingml/2006/main" xmlns:r="http://schemas.openxmlformats.org/officeDocument/2006/relationships" xmlns:p="http://schemas.openxmlformats.org/presentationml/2006/main">
+  <p:cSld>
+    <p:bg>
+      <p:bgPr>
+        <a:solidFill>
+          <a:srgbClr val="A2D149"/>
+        </a:solidFill>
+        <a:effectLst/>
+      </p:bgPr>
+    </p:bg>
+    <p:spTree>
+      <p:nvGrpSpPr>
+        <p:cNvPr id="1" name=""/>
+        <p:cNvGrpSpPr/>
+        <p:nvPr/>
+      </p:nvGrpSpPr>
+      <p:grpSpPr>
+        <a:xfrm>
+          <a:off x="0" y="0"/>
+          <a:ext cx="0" cy="0"/>
+          <a:chOff x="0" y="0"/>
+          <a:chExt cx="0" cy="0"/>
+        </a:xfrm>
+      </p:grpSpPr>
+      <p:grpSp>
+        <p:nvGrpSpPr>
+          <p:cNvPr id="8" name="Group 7">
+            <a:extLst>
+              <a:ext uri="{FF2B5EF4-FFF2-40B4-BE49-F238E27FC236}">
+                <a16:creationId xmlns:a16="http://schemas.microsoft.com/office/drawing/2014/main" id="{DFBBD7AA-956C-6D58-B704-25CCBC80A49A}"/>
+              </a:ext>
+            </a:extLst>
+          </p:cNvPr>
+          <p:cNvGrpSpPr/>
+          <p:nvPr/>
+        </p:nvGrpSpPr>
+        <p:grpSpPr>
+          <a:xfrm>
+            <a:off x="355853" y="1092414"/>
+            <a:ext cx="4343399" cy="707886"/>
+            <a:chOff x="457200" y="1151988"/>
+            <a:chExt cx="4343399" cy="707886"/>
+          </a:xfrm>
+        </p:grpSpPr>
+        <p:sp>
+          <p:nvSpPr>
+            <p:cNvPr id="10" name="TextBox 9">
+              <a:extLst>
+                <a:ext uri="{FF2B5EF4-FFF2-40B4-BE49-F238E27FC236}">
+                  <a16:creationId xmlns:a16="http://schemas.microsoft.com/office/drawing/2014/main" id="{4D0C7646-C75C-4E1F-4C3C-F5C4EAFBEA0F}"/>
+                </a:ext>
+              </a:extLst>
+            </p:cNvPr>
+            <p:cNvSpPr txBox="1"/>
+            <p:nvPr/>
+          </p:nvSpPr>
+          <p:spPr>
+            <a:xfrm>
+              <a:off x="457200" y="1151988"/>
+              <a:ext cx="4343399" cy="707886"/>
+            </a:xfrm>
+            <a:prstGeom prst="rect">
+              <a:avLst/>
+            </a:prstGeom>
+            <a:noFill/>
+          </p:spPr>
+          <p:txBody>
+            <a:bodyPr wrap="square" rtlCol="0">
+              <a:spAutoFit/>
+            </a:bodyPr>
+            <a:lstStyle/>
+            <a:p>
+              <a:r>
+                <a:rPr lang="en-US" sz="4000">
+                  <a:solidFill>
+                    <a:schemeClr val="bg1"/>
+                  </a:solidFill>
+                  <a:latin typeface="#9Slide03 Ample" panose="02000000000000000000" pitchFamily="2" charset="0"/>
+                </a:rPr>
+                <a:t>using       to dig</a:t>
+              </a:r>
+            </a:p>
+          </p:txBody>
+        </p:sp>
+        <p:pic>
+          <p:nvPicPr>
+            <p:cNvPr id="9" name="Picture 8">
+              <a:extLst>
+                <a:ext uri="{FF2B5EF4-FFF2-40B4-BE49-F238E27FC236}">
+                  <a16:creationId xmlns:a16="http://schemas.microsoft.com/office/drawing/2014/main" id="{CBBFA950-B314-AA5F-1472-A2230DE4855B}"/>
+                </a:ext>
+              </a:extLst>
+            </p:cNvPr>
+            <p:cNvPicPr>
+              <a:picLocks noChangeAspect="1"/>
+            </p:cNvPicPr>
+            <p:nvPr/>
+          </p:nvPicPr>
+          <p:blipFill>
+            <a:blip r:embed="rId2">
+              <a:extLst>
+                <a:ext uri="{28A0092B-C50C-407E-A947-70E740481C1C}">
+                  <a14:useLocalDpi xmlns:a14="http://schemas.microsoft.com/office/drawing/2010/main" val="0"/>
+                </a:ext>
+              </a:extLst>
+            </a:blip>
+            <a:srcRect/>
+            <a:stretch/>
+          </p:blipFill>
+          <p:spPr>
+            <a:xfrm>
+              <a:off x="1857300" y="1215381"/>
+              <a:ext cx="581100" cy="581100"/>
+            </a:xfrm>
+            <a:prstGeom prst="rect">
+              <a:avLst/>
+            </a:prstGeom>
+          </p:spPr>
+        </p:pic>
+      </p:grpSp>
+      <p:sp>
+        <p:nvSpPr>
+          <p:cNvPr id="15" name="TextBox 14">
+            <a:extLst>
+              <a:ext uri="{FF2B5EF4-FFF2-40B4-BE49-F238E27FC236}">
+                <a16:creationId xmlns:a16="http://schemas.microsoft.com/office/drawing/2014/main" id="{586A3956-E64D-E70F-068D-F50D2ACCC342}"/>
+              </a:ext>
+            </a:extLst>
+          </p:cNvPr>
+          <p:cNvSpPr txBox="1"/>
+          <p:nvPr/>
+        </p:nvSpPr>
+        <p:spPr>
+          <a:xfrm>
+            <a:off x="76200" y="447600"/>
+            <a:ext cx="4343399" cy="830997"/>
+          </a:xfrm>
+          <a:prstGeom prst="rect">
+            <a:avLst/>
+          </a:prstGeom>
+          <a:noFill/>
+        </p:spPr>
+        <p:txBody>
+          <a:bodyPr wrap="square" rtlCol="0">
+            <a:spAutoFit/>
+          </a:bodyPr>
+          <a:lstStyle/>
+          <a:p>
+            <a:r>
+              <a:rPr lang="en-US" sz="4800">
+                <a:solidFill>
+                  <a:schemeClr val="bg1"/>
+                </a:solidFill>
+                <a:latin typeface="#9Slide03 Ample" panose="02000000000000000000" pitchFamily="2" charset="0"/>
+              </a:rPr>
+              <a:t>How to play:</a:t>
+            </a:r>
+          </a:p>
+        </p:txBody>
+      </p:sp>
+      <p:sp>
+        <p:nvSpPr>
+          <p:cNvPr id="2" name="Rectangle 1">
+            <a:extLst>
+              <a:ext uri="{FF2B5EF4-FFF2-40B4-BE49-F238E27FC236}">
+                <a16:creationId xmlns:a16="http://schemas.microsoft.com/office/drawing/2014/main" id="{6B8A9883-0F1F-B5AC-3A52-0CDFC9CEB71F}"/>
+              </a:ext>
+            </a:extLst>
+          </p:cNvPr>
+          <p:cNvSpPr/>
+          <p:nvPr/>
+        </p:nvSpPr>
+        <p:spPr>
+          <a:xfrm>
+            <a:off x="0" y="2633394"/>
+            <a:ext cx="5638800" cy="1447800"/>
+          </a:xfrm>
+          <a:prstGeom prst="rect">
+            <a:avLst/>
+          </a:prstGeom>
+        </p:spPr>
+        <p:style>
+          <a:lnRef idx="2">
+            <a:schemeClr val="accent1">
+              <a:shade val="15000"/>
+            </a:schemeClr>
+          </a:lnRef>
+          <a:fillRef idx="1">
+            <a:schemeClr val="accent1"/>
+          </a:fillRef>
+          <a:effectRef idx="0">
+            <a:schemeClr val="accent1"/>
+          </a:effectRef>
+          <a:fontRef idx="minor">
+            <a:schemeClr val="lt1"/>
+          </a:fontRef>
+        </p:style>
+        <p:txBody>
+          <a:bodyPr rtlCol="0" anchor="ctr"/>
+          <a:lstStyle/>
+          <a:p>
+            <a:pPr algn="ctr"/>
+            <a:endParaRPr lang="en-US"/>
+          </a:p>
+        </p:txBody>
+      </p:sp>
+      <p:sp>
+        <p:nvSpPr>
+          <p:cNvPr id="3" name="Rectangle 2">
+            <a:extLst>
+              <a:ext uri="{FF2B5EF4-FFF2-40B4-BE49-F238E27FC236}">
+                <a16:creationId xmlns:a16="http://schemas.microsoft.com/office/drawing/2014/main" id="{2FAA5FF5-F516-81CB-DABC-278CA954B39E}"/>
+              </a:ext>
+            </a:extLst>
+          </p:cNvPr>
+          <p:cNvSpPr/>
+          <p:nvPr/>
+        </p:nvSpPr>
+        <p:spPr>
+          <a:xfrm rot="16200000">
+            <a:off x="2819400" y="2019300"/>
+            <a:ext cx="5638800" cy="1447800"/>
+          </a:xfrm>
+          <a:prstGeom prst="rect">
+            <a:avLst/>
+          </a:prstGeom>
+        </p:spPr>
+        <p:style>
+          <a:lnRef idx="2">
+            <a:schemeClr val="accent1">
+              <a:shade val="15000"/>
+            </a:schemeClr>
+          </a:lnRef>
+          <a:fillRef idx="1">
+            <a:schemeClr val="accent1"/>
+          </a:fillRef>
+          <a:effectRef idx="0">
+            <a:schemeClr val="accent1"/>
+          </a:effectRef>
+          <a:fontRef idx="minor">
+            <a:schemeClr val="lt1"/>
+          </a:fontRef>
+        </p:style>
+        <p:txBody>
+          <a:bodyPr rtlCol="0" anchor="ctr"/>
+          <a:lstStyle/>
+          <a:p>
+            <a:pPr algn="ctr"/>
+            <a:endParaRPr lang="en-US"/>
+          </a:p>
+        </p:txBody>
+      </p:sp>
+    </p:spTree>
+    <p:extLst>
+      <p:ext uri="{BB962C8B-B14F-4D97-AF65-F5344CB8AC3E}">
+        <p14:creationId xmlns:p14="http://schemas.microsoft.com/office/powerpoint/2010/main" val="226490552"/>
+      </p:ext>
+    </p:extLst>
+  </p:cSld>
+  <p:clrMapOvr>
+    <a:masterClrMapping/>
+  </p:clrMapOvr>
+  <p:transition>
+    <p:fade/>
+  </p:transition>
+</p:sld>
+</file>
+
 <file path=ppt/theme/theme1.xml><?xml version="1.0" encoding="utf-8"?>
 <a:theme xmlns:a="http://schemas.openxmlformats.org/drawingml/2006/main" name="Office Theme">
   <a:themeElements>

--- a/description for web/howtoplay.pptx
+++ b/description for web/howtoplay.pptx
@@ -10,6 +10,7 @@
     <p:sldId id="258" r:id="rId4"/>
     <p:sldId id="259" r:id="rId5"/>
     <p:sldId id="260" r:id="rId6"/>
+    <p:sldId id="261" r:id="rId7"/>
   </p:sldIdLst>
   <p:sldSz cx="12192000" cy="6858000"/>
   <p:notesSz cx="6858000" cy="9144000"/>
@@ -263,7 +264,7 @@
           <a:p>
             <a:fld id="{4333BB56-FEAD-413E-8AB9-9F9EF641A954}" type="datetimeFigureOut">
               <a:rPr lang="en-US" smtClean="0"/>
-              <a:t>29/9/2024</a:t>
+              <a:t>18/11/2024</a:t>
             </a:fld>
             <a:endParaRPr lang="en-US"/>
           </a:p>
@@ -461,7 +462,7 @@
           <a:p>
             <a:fld id="{4333BB56-FEAD-413E-8AB9-9F9EF641A954}" type="datetimeFigureOut">
               <a:rPr lang="en-US" smtClean="0"/>
-              <a:t>29/9/2024</a:t>
+              <a:t>18/11/2024</a:t>
             </a:fld>
             <a:endParaRPr lang="en-US"/>
           </a:p>
@@ -669,7 +670,7 @@
           <a:p>
             <a:fld id="{4333BB56-FEAD-413E-8AB9-9F9EF641A954}" type="datetimeFigureOut">
               <a:rPr lang="en-US" smtClean="0"/>
-              <a:t>29/9/2024</a:t>
+              <a:t>18/11/2024</a:t>
             </a:fld>
             <a:endParaRPr lang="en-US"/>
           </a:p>
@@ -867,7 +868,7 @@
           <a:p>
             <a:fld id="{4333BB56-FEAD-413E-8AB9-9F9EF641A954}" type="datetimeFigureOut">
               <a:rPr lang="en-US" smtClean="0"/>
-              <a:t>29/9/2024</a:t>
+              <a:t>18/11/2024</a:t>
             </a:fld>
             <a:endParaRPr lang="en-US"/>
           </a:p>
@@ -1142,7 +1143,7 @@
           <a:p>
             <a:fld id="{4333BB56-FEAD-413E-8AB9-9F9EF641A954}" type="datetimeFigureOut">
               <a:rPr lang="en-US" smtClean="0"/>
-              <a:t>29/9/2024</a:t>
+              <a:t>18/11/2024</a:t>
             </a:fld>
             <a:endParaRPr lang="en-US"/>
           </a:p>
@@ -1407,7 +1408,7 @@
           <a:p>
             <a:fld id="{4333BB56-FEAD-413E-8AB9-9F9EF641A954}" type="datetimeFigureOut">
               <a:rPr lang="en-US" smtClean="0"/>
-              <a:t>29/9/2024</a:t>
+              <a:t>18/11/2024</a:t>
             </a:fld>
             <a:endParaRPr lang="en-US"/>
           </a:p>
@@ -1819,7 +1820,7 @@
           <a:p>
             <a:fld id="{4333BB56-FEAD-413E-8AB9-9F9EF641A954}" type="datetimeFigureOut">
               <a:rPr lang="en-US" smtClean="0"/>
-              <a:t>29/9/2024</a:t>
+              <a:t>18/11/2024</a:t>
             </a:fld>
             <a:endParaRPr lang="en-US"/>
           </a:p>
@@ -1960,7 +1961,7 @@
           <a:p>
             <a:fld id="{4333BB56-FEAD-413E-8AB9-9F9EF641A954}" type="datetimeFigureOut">
               <a:rPr lang="en-US" smtClean="0"/>
-              <a:t>29/9/2024</a:t>
+              <a:t>18/11/2024</a:t>
             </a:fld>
             <a:endParaRPr lang="en-US"/>
           </a:p>
@@ -2073,7 +2074,7 @@
           <a:p>
             <a:fld id="{4333BB56-FEAD-413E-8AB9-9F9EF641A954}" type="datetimeFigureOut">
               <a:rPr lang="en-US" smtClean="0"/>
-              <a:t>29/9/2024</a:t>
+              <a:t>18/11/2024</a:t>
             </a:fld>
             <a:endParaRPr lang="en-US"/>
           </a:p>
@@ -2384,7 +2385,7 @@
           <a:p>
             <a:fld id="{4333BB56-FEAD-413E-8AB9-9F9EF641A954}" type="datetimeFigureOut">
               <a:rPr lang="en-US" smtClean="0"/>
-              <a:t>29/9/2024</a:t>
+              <a:t>18/11/2024</a:t>
             </a:fld>
             <a:endParaRPr lang="en-US"/>
           </a:p>
@@ -2672,7 +2673,7 @@
           <a:p>
             <a:fld id="{4333BB56-FEAD-413E-8AB9-9F9EF641A954}" type="datetimeFigureOut">
               <a:rPr lang="en-US" smtClean="0"/>
-              <a:t>29/9/2024</a:t>
+              <a:t>18/11/2024</a:t>
             </a:fld>
             <a:endParaRPr lang="en-US"/>
           </a:p>
@@ -2769,10 +2770,10 @@
       </p:grpSpPr>
       <p:sp>
         <p:nvSpPr>
-          <p:cNvPr id="8" name="9Slide.vn - 2019">
-            <a:extLst>
-              <a:ext uri="{FF2B5EF4-FFF2-40B4-BE49-F238E27FC236}">
-                <a16:creationId xmlns:a16="http://schemas.microsoft.com/office/drawing/2014/main" id="{C4270F9D-DDC1-4837-90F0-57F290CF8506}"/>
+          <p:cNvPr id="9" name="9Slide.vn - 2019">
+            <a:extLst>
+              <a:ext uri="{FF2B5EF4-FFF2-40B4-BE49-F238E27FC236}">
+                <a16:creationId xmlns:a16="http://schemas.microsoft.com/office/drawing/2014/main" id="{40061605-E204-3FA6-1B9A-85672732E868}"/>
               </a:ext>
             </a:extLst>
           </p:cNvPr>
@@ -2953,7 +2954,7 @@
           <a:p>
             <a:fld id="{4333BB56-FEAD-413E-8AB9-9F9EF641A954}" type="datetimeFigureOut">
               <a:rPr lang="en-US" smtClean="0"/>
-              <a:t>29/9/2024</a:t>
+              <a:t>18/11/2024</a:t>
             </a:fld>
             <a:endParaRPr lang="en-US"/>
           </a:p>
@@ -4803,6 +4804,317 @@
 </p:sld>
 </file>
 
+<file path=ppt/slides/slide6.xml><?xml version="1.0" encoding="utf-8"?>
+<p:sld xmlns:a="http://schemas.openxmlformats.org/drawingml/2006/main" xmlns:r="http://schemas.openxmlformats.org/officeDocument/2006/relationships" xmlns:p="http://schemas.openxmlformats.org/presentationml/2006/main">
+  <p:cSld>
+    <p:bg>
+      <p:bgPr>
+        <a:solidFill>
+          <a:srgbClr val="0B6FA1"/>
+        </a:solidFill>
+        <a:effectLst/>
+      </p:bgPr>
+    </p:bg>
+    <p:spTree>
+      <p:nvGrpSpPr>
+        <p:cNvPr id="1" name="">
+          <a:extLst>
+            <a:ext uri="{FF2B5EF4-FFF2-40B4-BE49-F238E27FC236}">
+              <a16:creationId xmlns:a16="http://schemas.microsoft.com/office/drawing/2014/main" id="{8887C318-5DAB-C3E5-0E37-AEA947E14E8A}"/>
+            </a:ext>
+          </a:extLst>
+        </p:cNvPr>
+        <p:cNvGrpSpPr/>
+        <p:nvPr/>
+      </p:nvGrpSpPr>
+      <p:grpSpPr>
+        <a:xfrm>
+          <a:off x="0" y="0"/>
+          <a:ext cx="0" cy="0"/>
+          <a:chOff x="0" y="0"/>
+          <a:chExt cx="0" cy="0"/>
+        </a:xfrm>
+      </p:grpSpPr>
+      <p:grpSp>
+        <p:nvGrpSpPr>
+          <p:cNvPr id="8" name="Group 7">
+            <a:extLst>
+              <a:ext uri="{FF2B5EF4-FFF2-40B4-BE49-F238E27FC236}">
+                <a16:creationId xmlns:a16="http://schemas.microsoft.com/office/drawing/2014/main" id="{6C619D56-B860-6E40-E3D5-829B85A49BF8}"/>
+              </a:ext>
+            </a:extLst>
+          </p:cNvPr>
+          <p:cNvGrpSpPr/>
+          <p:nvPr/>
+        </p:nvGrpSpPr>
+        <p:grpSpPr>
+          <a:xfrm>
+            <a:off x="250400" y="808357"/>
+            <a:ext cx="4664500" cy="646331"/>
+            <a:chOff x="457201" y="1151988"/>
+            <a:chExt cx="4376568" cy="646331"/>
+          </a:xfrm>
+        </p:grpSpPr>
+        <p:sp>
+          <p:nvSpPr>
+            <p:cNvPr id="10" name="TextBox 9">
+              <a:extLst>
+                <a:ext uri="{FF2B5EF4-FFF2-40B4-BE49-F238E27FC236}">
+                  <a16:creationId xmlns:a16="http://schemas.microsoft.com/office/drawing/2014/main" id="{734D736A-CD76-4F51-D30E-68D2EA4B2D77}"/>
+                </a:ext>
+              </a:extLst>
+            </p:cNvPr>
+            <p:cNvSpPr txBox="1"/>
+            <p:nvPr/>
+          </p:nvSpPr>
+          <p:spPr>
+            <a:xfrm>
+              <a:off x="457201" y="1151988"/>
+              <a:ext cx="4376568" cy="646331"/>
+            </a:xfrm>
+            <a:prstGeom prst="rect">
+              <a:avLst/>
+            </a:prstGeom>
+            <a:noFill/>
+          </p:spPr>
+          <p:txBody>
+            <a:bodyPr wrap="square" rtlCol="0">
+              <a:spAutoFit/>
+            </a:bodyPr>
+            <a:lstStyle/>
+            <a:p>
+              <a:r>
+                <a:rPr lang="en-US" sz="3600">
+                  <a:solidFill>
+                    <a:schemeClr val="bg1"/>
+                  </a:solidFill>
+                  <a:latin typeface="#9Slide03 Ample" panose="02000000000000000000" pitchFamily="2" charset="0"/>
+                </a:rPr>
+                <a:t>using       or      to play</a:t>
+              </a:r>
+            </a:p>
+          </p:txBody>
+        </p:sp>
+        <p:pic>
+          <p:nvPicPr>
+            <p:cNvPr id="9" name="Picture 8">
+              <a:extLst>
+                <a:ext uri="{FF2B5EF4-FFF2-40B4-BE49-F238E27FC236}">
+                  <a16:creationId xmlns:a16="http://schemas.microsoft.com/office/drawing/2014/main" id="{270E41E9-F0DC-CDF9-4825-B7EC507BBCF0}"/>
+                </a:ext>
+              </a:extLst>
+            </p:cNvPr>
+            <p:cNvPicPr>
+              <a:picLocks noChangeAspect="1"/>
+            </p:cNvPicPr>
+            <p:nvPr/>
+          </p:nvPicPr>
+          <p:blipFill>
+            <a:blip r:embed="rId2">
+              <a:extLst>
+                <a:ext uri="{28A0092B-C50C-407E-A947-70E740481C1C}">
+                  <a14:useLocalDpi xmlns:a14="http://schemas.microsoft.com/office/drawing/2010/main" val="0"/>
+                </a:ext>
+              </a:extLst>
+            </a:blip>
+            <a:srcRect/>
+            <a:stretch/>
+          </p:blipFill>
+          <p:spPr>
+            <a:xfrm>
+              <a:off x="1580687" y="1151988"/>
+              <a:ext cx="581100" cy="581100"/>
+            </a:xfrm>
+            <a:prstGeom prst="rect">
+              <a:avLst/>
+            </a:prstGeom>
+          </p:spPr>
+        </p:pic>
+      </p:grpSp>
+      <p:sp>
+        <p:nvSpPr>
+          <p:cNvPr id="15" name="TextBox 14">
+            <a:extLst>
+              <a:ext uri="{FF2B5EF4-FFF2-40B4-BE49-F238E27FC236}">
+                <a16:creationId xmlns:a16="http://schemas.microsoft.com/office/drawing/2014/main" id="{753213CF-F69A-1D30-397C-BCFAFD3A7E34}"/>
+              </a:ext>
+            </a:extLst>
+          </p:cNvPr>
+          <p:cNvSpPr txBox="1"/>
+          <p:nvPr/>
+        </p:nvSpPr>
+        <p:spPr>
+          <a:xfrm>
+            <a:off x="76200" y="76200"/>
+            <a:ext cx="4343399" cy="830997"/>
+          </a:xfrm>
+          <a:prstGeom prst="rect">
+            <a:avLst/>
+          </a:prstGeom>
+          <a:noFill/>
+        </p:spPr>
+        <p:txBody>
+          <a:bodyPr wrap="square" rtlCol="0">
+            <a:spAutoFit/>
+          </a:bodyPr>
+          <a:lstStyle/>
+          <a:p>
+            <a:r>
+              <a:rPr lang="en-US" sz="4800">
+                <a:solidFill>
+                  <a:schemeClr val="bg1"/>
+                </a:solidFill>
+                <a:latin typeface="#9Slide03 Ample" panose="02000000000000000000" pitchFamily="2" charset="0"/>
+              </a:rPr>
+              <a:t>How to play:</a:t>
+            </a:r>
+          </a:p>
+        </p:txBody>
+      </p:sp>
+      <p:sp>
+        <p:nvSpPr>
+          <p:cNvPr id="2" name="Rectangle 1">
+            <a:extLst>
+              <a:ext uri="{FF2B5EF4-FFF2-40B4-BE49-F238E27FC236}">
+                <a16:creationId xmlns:a16="http://schemas.microsoft.com/office/drawing/2014/main" id="{BA4D151D-1F82-B576-C66F-D7F38768A202}"/>
+              </a:ext>
+            </a:extLst>
+          </p:cNvPr>
+          <p:cNvSpPr/>
+          <p:nvPr/>
+        </p:nvSpPr>
+        <p:spPr>
+          <a:xfrm>
+            <a:off x="0" y="2633394"/>
+            <a:ext cx="5638800" cy="1447800"/>
+          </a:xfrm>
+          <a:prstGeom prst="rect">
+            <a:avLst/>
+          </a:prstGeom>
+        </p:spPr>
+        <p:style>
+          <a:lnRef idx="2">
+            <a:schemeClr val="accent1">
+              <a:shade val="15000"/>
+            </a:schemeClr>
+          </a:lnRef>
+          <a:fillRef idx="1">
+            <a:schemeClr val="accent1"/>
+          </a:fillRef>
+          <a:effectRef idx="0">
+            <a:schemeClr val="accent1"/>
+          </a:effectRef>
+          <a:fontRef idx="minor">
+            <a:schemeClr val="lt1"/>
+          </a:fontRef>
+        </p:style>
+        <p:txBody>
+          <a:bodyPr rtlCol="0" anchor="ctr"/>
+          <a:lstStyle/>
+          <a:p>
+            <a:pPr algn="ctr"/>
+            <a:endParaRPr lang="en-US"/>
+          </a:p>
+        </p:txBody>
+      </p:sp>
+      <p:sp>
+        <p:nvSpPr>
+          <p:cNvPr id="3" name="Rectangle 2">
+            <a:extLst>
+              <a:ext uri="{FF2B5EF4-FFF2-40B4-BE49-F238E27FC236}">
+                <a16:creationId xmlns:a16="http://schemas.microsoft.com/office/drawing/2014/main" id="{ABADD782-13D3-4E26-FF02-5E0F76F61EF6}"/>
+              </a:ext>
+            </a:extLst>
+          </p:cNvPr>
+          <p:cNvSpPr/>
+          <p:nvPr/>
+        </p:nvSpPr>
+        <p:spPr>
+          <a:xfrm rot="16200000">
+            <a:off x="2819400" y="2019300"/>
+            <a:ext cx="5638800" cy="1447800"/>
+          </a:xfrm>
+          <a:prstGeom prst="rect">
+            <a:avLst/>
+          </a:prstGeom>
+        </p:spPr>
+        <p:style>
+          <a:lnRef idx="2">
+            <a:schemeClr val="accent1">
+              <a:shade val="15000"/>
+            </a:schemeClr>
+          </a:lnRef>
+          <a:fillRef idx="1">
+            <a:schemeClr val="accent1"/>
+          </a:fillRef>
+          <a:effectRef idx="0">
+            <a:schemeClr val="accent1"/>
+          </a:effectRef>
+          <a:fontRef idx="minor">
+            <a:schemeClr val="lt1"/>
+          </a:fontRef>
+        </p:style>
+        <p:txBody>
+          <a:bodyPr rtlCol="0" anchor="ctr"/>
+          <a:lstStyle/>
+          <a:p>
+            <a:pPr algn="ctr"/>
+            <a:endParaRPr lang="en-US"/>
+          </a:p>
+        </p:txBody>
+      </p:sp>
+      <p:pic>
+        <p:nvPicPr>
+          <p:cNvPr id="12" name="Picture 11">
+            <a:extLst>
+              <a:ext uri="{FF2B5EF4-FFF2-40B4-BE49-F238E27FC236}">
+                <a16:creationId xmlns:a16="http://schemas.microsoft.com/office/drawing/2014/main" id="{CF5C1F62-EF00-08D1-24E8-1AE738B44FA4}"/>
+              </a:ext>
+            </a:extLst>
+          </p:cNvPr>
+          <p:cNvPicPr>
+            <a:picLocks noChangeAspect="1"/>
+          </p:cNvPicPr>
+          <p:nvPr/>
+        </p:nvPicPr>
+        <p:blipFill>
+          <a:blip r:embed="rId3">
+            <a:extLst>
+              <a:ext uri="{28A0092B-C50C-407E-A947-70E740481C1C}">
+                <a14:useLocalDpi xmlns:a14="http://schemas.microsoft.com/office/drawing/2010/main" val="0"/>
+              </a:ext>
+            </a:extLst>
+          </a:blip>
+          <a:stretch>
+            <a:fillRect/>
+          </a:stretch>
+        </p:blipFill>
+        <p:spPr>
+          <a:xfrm>
+            <a:off x="2667000" y="912361"/>
+            <a:ext cx="450733" cy="450733"/>
+          </a:xfrm>
+          <a:prstGeom prst="rect">
+            <a:avLst/>
+          </a:prstGeom>
+        </p:spPr>
+      </p:pic>
+    </p:spTree>
+    <p:extLst>
+      <p:ext uri="{BB962C8B-B14F-4D97-AF65-F5344CB8AC3E}">
+        <p14:creationId xmlns:p14="http://schemas.microsoft.com/office/powerpoint/2010/main" val="1325322549"/>
+      </p:ext>
+    </p:extLst>
+  </p:cSld>
+  <p:clrMapOvr>
+    <a:masterClrMapping/>
+  </p:clrMapOvr>
+  <p:transition>
+    <p:fade/>
+  </p:transition>
+</p:sld>
+</file>
+
 <file path=ppt/theme/theme1.xml><?xml version="1.0" encoding="utf-8"?>
 <a:theme xmlns:a="http://schemas.openxmlformats.org/drawingml/2006/main" name="Office Theme">
   <a:themeElements>
